--- a/ppt 16-9/0156.圣灵的能力.pptx
+++ b/ppt 16-9/0156.圣灵的能力.pptx
@@ -129,7 +129,7 @@
           <p:cNvPr id="2" name="标题 1">
             <a:extLst>
               <a:ext uri="{FF2B5EF4-FFF2-40B4-BE49-F238E27FC236}">
-                <a16:creationId xmlns:a16="http://schemas.microsoft.com/office/drawing/2014/main" id="{A7D261D2-E858-3714-7E57-706342BE976D}"/>
+                <a16:creationId xmlns:a16="http://schemas.microsoft.com/office/drawing/2014/main" id="{3DFB3F98-2F01-4E4E-34B1-8FD093A21930}"/>
               </a:ext>
             </a:extLst>
           </p:cNvPr>
@@ -166,7 +166,7 @@
           <p:cNvPr id="3" name="副标题 2">
             <a:extLst>
               <a:ext uri="{FF2B5EF4-FFF2-40B4-BE49-F238E27FC236}">
-                <a16:creationId xmlns:a16="http://schemas.microsoft.com/office/drawing/2014/main" id="{DCEDA814-4662-260F-469B-421BDA817C94}"/>
+                <a16:creationId xmlns:a16="http://schemas.microsoft.com/office/drawing/2014/main" id="{07FEE8E1-2487-13EE-E559-77C3D10ED618}"/>
               </a:ext>
             </a:extLst>
           </p:cNvPr>
@@ -236,7 +236,7 @@
           <p:cNvPr id="4" name="日期占位符 3">
             <a:extLst>
               <a:ext uri="{FF2B5EF4-FFF2-40B4-BE49-F238E27FC236}">
-                <a16:creationId xmlns:a16="http://schemas.microsoft.com/office/drawing/2014/main" id="{7A5E0A89-80C9-577F-5672-57213A081CF9}"/>
+                <a16:creationId xmlns:a16="http://schemas.microsoft.com/office/drawing/2014/main" id="{489FD245-FEDD-D4E4-BCC1-5B3BD2F44985}"/>
               </a:ext>
             </a:extLst>
           </p:cNvPr>
@@ -252,7 +252,7 @@
           <a:bodyPr/>
           <a:lstStyle/>
           <a:p>
-            <a:fld id="{C6F8CDC9-ADE3-491B-9F8B-87D43C6E4E18}" type="datetimeFigureOut">
+            <a:fld id="{39E1B3A4-A26C-4644-807D-31E6E7366B30}" type="datetimeFigureOut">
               <a:rPr lang="zh-CN" altLang="en-US" smtClean="0"/>
               <a:t>2024/3/10</a:t>
             </a:fld>
@@ -265,7 +265,7 @@
           <p:cNvPr id="5" name="页脚占位符 4">
             <a:extLst>
               <a:ext uri="{FF2B5EF4-FFF2-40B4-BE49-F238E27FC236}">
-                <a16:creationId xmlns:a16="http://schemas.microsoft.com/office/drawing/2014/main" id="{8A02A5BA-23B0-E123-698D-0BCEF117D924}"/>
+                <a16:creationId xmlns:a16="http://schemas.microsoft.com/office/drawing/2014/main" id="{CDAF5B87-14C1-37A6-1300-510E540C9A57}"/>
               </a:ext>
             </a:extLst>
           </p:cNvPr>
@@ -290,7 +290,7 @@
           <p:cNvPr id="6" name="灯片编号占位符 5">
             <a:extLst>
               <a:ext uri="{FF2B5EF4-FFF2-40B4-BE49-F238E27FC236}">
-                <a16:creationId xmlns:a16="http://schemas.microsoft.com/office/drawing/2014/main" id="{CCE922F1-1DF4-D3C3-6FE0-4CD5CFCA22C4}"/>
+                <a16:creationId xmlns:a16="http://schemas.microsoft.com/office/drawing/2014/main" id="{39B9A006-AF84-3FE5-62F1-655BFB637823}"/>
               </a:ext>
             </a:extLst>
           </p:cNvPr>
@@ -306,7 +306,7 @@
           <a:bodyPr/>
           <a:lstStyle/>
           <a:p>
-            <a:fld id="{2B14D8DB-710F-40F4-8244-9584E37DF5A0}" type="slidenum">
+            <a:fld id="{AA07A1BF-C182-4431-850A-E32D8A8FDE89}" type="slidenum">
               <a:rPr lang="zh-CN" altLang="en-US" smtClean="0"/>
               <a:t>‹#›</a:t>
             </a:fld>
@@ -317,7 +317,7 @@
     </p:spTree>
     <p:extLst>
       <p:ext uri="{BB962C8B-B14F-4D97-AF65-F5344CB8AC3E}">
-        <p14:creationId xmlns:p14="http://schemas.microsoft.com/office/powerpoint/2010/main" val="3406404823"/>
+        <p14:creationId xmlns:p14="http://schemas.microsoft.com/office/powerpoint/2010/main" val="3697532568"/>
       </p:ext>
     </p:extLst>
   </p:cSld>
@@ -349,7 +349,7 @@
           <p:cNvPr id="2" name="标题 1">
             <a:extLst>
               <a:ext uri="{FF2B5EF4-FFF2-40B4-BE49-F238E27FC236}">
-                <a16:creationId xmlns:a16="http://schemas.microsoft.com/office/drawing/2014/main" id="{22F5359C-EBC7-4BE3-C375-AC87AA5D1DF6}"/>
+                <a16:creationId xmlns:a16="http://schemas.microsoft.com/office/drawing/2014/main" id="{028DFC4A-D29D-C7F8-4A9D-56B9A72F9CFB}"/>
               </a:ext>
             </a:extLst>
           </p:cNvPr>
@@ -377,7 +377,7 @@
           <p:cNvPr id="3" name="竖排文字占位符 2">
             <a:extLst>
               <a:ext uri="{FF2B5EF4-FFF2-40B4-BE49-F238E27FC236}">
-                <a16:creationId xmlns:a16="http://schemas.microsoft.com/office/drawing/2014/main" id="{FCC43CB7-0194-0C5E-0492-80A5E7095777}"/>
+                <a16:creationId xmlns:a16="http://schemas.microsoft.com/office/drawing/2014/main" id="{C5F00CA5-EFA1-FDDC-E451-B604BA4B5072}"/>
               </a:ext>
             </a:extLst>
           </p:cNvPr>
@@ -434,7 +434,7 @@
           <p:cNvPr id="4" name="日期占位符 3">
             <a:extLst>
               <a:ext uri="{FF2B5EF4-FFF2-40B4-BE49-F238E27FC236}">
-                <a16:creationId xmlns:a16="http://schemas.microsoft.com/office/drawing/2014/main" id="{3750DF7E-5C62-9886-2448-41D891785E69}"/>
+                <a16:creationId xmlns:a16="http://schemas.microsoft.com/office/drawing/2014/main" id="{FDAE6A10-7AD0-217F-38BA-04A8BD560906}"/>
               </a:ext>
             </a:extLst>
           </p:cNvPr>
@@ -450,7 +450,7 @@
           <a:bodyPr/>
           <a:lstStyle/>
           <a:p>
-            <a:fld id="{C6F8CDC9-ADE3-491B-9F8B-87D43C6E4E18}" type="datetimeFigureOut">
+            <a:fld id="{39E1B3A4-A26C-4644-807D-31E6E7366B30}" type="datetimeFigureOut">
               <a:rPr lang="zh-CN" altLang="en-US" smtClean="0"/>
               <a:t>2024/3/10</a:t>
             </a:fld>
@@ -463,7 +463,7 @@
           <p:cNvPr id="5" name="页脚占位符 4">
             <a:extLst>
               <a:ext uri="{FF2B5EF4-FFF2-40B4-BE49-F238E27FC236}">
-                <a16:creationId xmlns:a16="http://schemas.microsoft.com/office/drawing/2014/main" id="{813EA79F-297E-E4D3-5CD6-67FCD5AF8AC9}"/>
+                <a16:creationId xmlns:a16="http://schemas.microsoft.com/office/drawing/2014/main" id="{732AD749-EB20-CD47-ABA6-F4FA1AA92C59}"/>
               </a:ext>
             </a:extLst>
           </p:cNvPr>
@@ -488,7 +488,7 @@
           <p:cNvPr id="6" name="灯片编号占位符 5">
             <a:extLst>
               <a:ext uri="{FF2B5EF4-FFF2-40B4-BE49-F238E27FC236}">
-                <a16:creationId xmlns:a16="http://schemas.microsoft.com/office/drawing/2014/main" id="{731C6C35-EE8A-CB94-A9AF-6769D18D9DB2}"/>
+                <a16:creationId xmlns:a16="http://schemas.microsoft.com/office/drawing/2014/main" id="{1CA0F22F-2D26-D74F-3E27-22859D187C26}"/>
               </a:ext>
             </a:extLst>
           </p:cNvPr>
@@ -504,7 +504,7 @@
           <a:bodyPr/>
           <a:lstStyle/>
           <a:p>
-            <a:fld id="{2B14D8DB-710F-40F4-8244-9584E37DF5A0}" type="slidenum">
+            <a:fld id="{AA07A1BF-C182-4431-850A-E32D8A8FDE89}" type="slidenum">
               <a:rPr lang="zh-CN" altLang="en-US" smtClean="0"/>
               <a:t>‹#›</a:t>
             </a:fld>
@@ -515,7 +515,7 @@
     </p:spTree>
     <p:extLst>
       <p:ext uri="{BB962C8B-B14F-4D97-AF65-F5344CB8AC3E}">
-        <p14:creationId xmlns:p14="http://schemas.microsoft.com/office/powerpoint/2010/main" val="1702423939"/>
+        <p14:creationId xmlns:p14="http://schemas.microsoft.com/office/powerpoint/2010/main" val="3751281388"/>
       </p:ext>
     </p:extLst>
   </p:cSld>
@@ -547,7 +547,7 @@
           <p:cNvPr id="2" name="竖排标题 1">
             <a:extLst>
               <a:ext uri="{FF2B5EF4-FFF2-40B4-BE49-F238E27FC236}">
-                <a16:creationId xmlns:a16="http://schemas.microsoft.com/office/drawing/2014/main" id="{8CC4E310-46AE-ACAC-B6A6-73DB1AF749C2}"/>
+                <a16:creationId xmlns:a16="http://schemas.microsoft.com/office/drawing/2014/main" id="{31E21DF7-87D6-8BCE-195D-15CE70295D97}"/>
               </a:ext>
             </a:extLst>
           </p:cNvPr>
@@ -580,7 +580,7 @@
           <p:cNvPr id="3" name="竖排文字占位符 2">
             <a:extLst>
               <a:ext uri="{FF2B5EF4-FFF2-40B4-BE49-F238E27FC236}">
-                <a16:creationId xmlns:a16="http://schemas.microsoft.com/office/drawing/2014/main" id="{F9589E16-D378-2F69-BE2F-48FA5771B566}"/>
+                <a16:creationId xmlns:a16="http://schemas.microsoft.com/office/drawing/2014/main" id="{F3EB61F4-F010-7332-D001-3F130C378558}"/>
               </a:ext>
             </a:extLst>
           </p:cNvPr>
@@ -642,7 +642,7 @@
           <p:cNvPr id="4" name="日期占位符 3">
             <a:extLst>
               <a:ext uri="{FF2B5EF4-FFF2-40B4-BE49-F238E27FC236}">
-                <a16:creationId xmlns:a16="http://schemas.microsoft.com/office/drawing/2014/main" id="{C2F7765A-1DAE-9F5F-E00C-A9691CF98F69}"/>
+                <a16:creationId xmlns:a16="http://schemas.microsoft.com/office/drawing/2014/main" id="{80637C86-461B-2A7B-EF6F-A218DE17B78F}"/>
               </a:ext>
             </a:extLst>
           </p:cNvPr>
@@ -658,7 +658,7 @@
           <a:bodyPr/>
           <a:lstStyle/>
           <a:p>
-            <a:fld id="{C6F8CDC9-ADE3-491B-9F8B-87D43C6E4E18}" type="datetimeFigureOut">
+            <a:fld id="{39E1B3A4-A26C-4644-807D-31E6E7366B30}" type="datetimeFigureOut">
               <a:rPr lang="zh-CN" altLang="en-US" smtClean="0"/>
               <a:t>2024/3/10</a:t>
             </a:fld>
@@ -671,7 +671,7 @@
           <p:cNvPr id="5" name="页脚占位符 4">
             <a:extLst>
               <a:ext uri="{FF2B5EF4-FFF2-40B4-BE49-F238E27FC236}">
-                <a16:creationId xmlns:a16="http://schemas.microsoft.com/office/drawing/2014/main" id="{D343F7FF-0BB9-8198-67F2-FC486573D3FB}"/>
+                <a16:creationId xmlns:a16="http://schemas.microsoft.com/office/drawing/2014/main" id="{46209D80-6F6A-72F1-A946-454A7E9A2A5B}"/>
               </a:ext>
             </a:extLst>
           </p:cNvPr>
@@ -696,7 +696,7 @@
           <p:cNvPr id="6" name="灯片编号占位符 5">
             <a:extLst>
               <a:ext uri="{FF2B5EF4-FFF2-40B4-BE49-F238E27FC236}">
-                <a16:creationId xmlns:a16="http://schemas.microsoft.com/office/drawing/2014/main" id="{3F8BFED3-53F7-3297-1B8A-CFFE5FBB8350}"/>
+                <a16:creationId xmlns:a16="http://schemas.microsoft.com/office/drawing/2014/main" id="{5606C561-5255-CB00-4963-0E6075ACD277}"/>
               </a:ext>
             </a:extLst>
           </p:cNvPr>
@@ -712,7 +712,7 @@
           <a:bodyPr/>
           <a:lstStyle/>
           <a:p>
-            <a:fld id="{2B14D8DB-710F-40F4-8244-9584E37DF5A0}" type="slidenum">
+            <a:fld id="{AA07A1BF-C182-4431-850A-E32D8A8FDE89}" type="slidenum">
               <a:rPr lang="zh-CN" altLang="en-US" smtClean="0"/>
               <a:t>‹#›</a:t>
             </a:fld>
@@ -723,7 +723,7 @@
     </p:spTree>
     <p:extLst>
       <p:ext uri="{BB962C8B-B14F-4D97-AF65-F5344CB8AC3E}">
-        <p14:creationId xmlns:p14="http://schemas.microsoft.com/office/powerpoint/2010/main" val="2947207254"/>
+        <p14:creationId xmlns:p14="http://schemas.microsoft.com/office/powerpoint/2010/main" val="3292489462"/>
       </p:ext>
     </p:extLst>
   </p:cSld>
@@ -755,7 +755,7 @@
           <p:cNvPr id="2" name="标题 1">
             <a:extLst>
               <a:ext uri="{FF2B5EF4-FFF2-40B4-BE49-F238E27FC236}">
-                <a16:creationId xmlns:a16="http://schemas.microsoft.com/office/drawing/2014/main" id="{0B8419F0-2443-BE75-6444-C268D3528D5B}"/>
+                <a16:creationId xmlns:a16="http://schemas.microsoft.com/office/drawing/2014/main" id="{92E7D6DB-3EDF-23F6-8D6E-314D148F23DC}"/>
               </a:ext>
             </a:extLst>
           </p:cNvPr>
@@ -783,7 +783,7 @@
           <p:cNvPr id="3" name="内容占位符 2">
             <a:extLst>
               <a:ext uri="{FF2B5EF4-FFF2-40B4-BE49-F238E27FC236}">
-                <a16:creationId xmlns:a16="http://schemas.microsoft.com/office/drawing/2014/main" id="{7CC24284-B84F-9F82-8816-BCBED14FAD91}"/>
+                <a16:creationId xmlns:a16="http://schemas.microsoft.com/office/drawing/2014/main" id="{BD2B5200-54ED-0456-2985-EC7857BA5C15}"/>
               </a:ext>
             </a:extLst>
           </p:cNvPr>
@@ -840,7 +840,7 @@
           <p:cNvPr id="4" name="日期占位符 3">
             <a:extLst>
               <a:ext uri="{FF2B5EF4-FFF2-40B4-BE49-F238E27FC236}">
-                <a16:creationId xmlns:a16="http://schemas.microsoft.com/office/drawing/2014/main" id="{C93A1378-5326-6D0E-02F9-C0A03FA1F419}"/>
+                <a16:creationId xmlns:a16="http://schemas.microsoft.com/office/drawing/2014/main" id="{A0644331-EDC7-F9FA-47AC-287AB93C084E}"/>
               </a:ext>
             </a:extLst>
           </p:cNvPr>
@@ -856,7 +856,7 @@
           <a:bodyPr/>
           <a:lstStyle/>
           <a:p>
-            <a:fld id="{C6F8CDC9-ADE3-491B-9F8B-87D43C6E4E18}" type="datetimeFigureOut">
+            <a:fld id="{39E1B3A4-A26C-4644-807D-31E6E7366B30}" type="datetimeFigureOut">
               <a:rPr lang="zh-CN" altLang="en-US" smtClean="0"/>
               <a:t>2024/3/10</a:t>
             </a:fld>
@@ -869,7 +869,7 @@
           <p:cNvPr id="5" name="页脚占位符 4">
             <a:extLst>
               <a:ext uri="{FF2B5EF4-FFF2-40B4-BE49-F238E27FC236}">
-                <a16:creationId xmlns:a16="http://schemas.microsoft.com/office/drawing/2014/main" id="{EFA8F93E-6B24-9983-3558-8E2079FB51A2}"/>
+                <a16:creationId xmlns:a16="http://schemas.microsoft.com/office/drawing/2014/main" id="{F8240FA1-19BC-5AB1-FF81-313E9D427084}"/>
               </a:ext>
             </a:extLst>
           </p:cNvPr>
@@ -894,7 +894,7 @@
           <p:cNvPr id="6" name="灯片编号占位符 5">
             <a:extLst>
               <a:ext uri="{FF2B5EF4-FFF2-40B4-BE49-F238E27FC236}">
-                <a16:creationId xmlns:a16="http://schemas.microsoft.com/office/drawing/2014/main" id="{238772BC-36EC-FF30-2BAF-94239B8E6C50}"/>
+                <a16:creationId xmlns:a16="http://schemas.microsoft.com/office/drawing/2014/main" id="{8562075F-C0A5-E212-952E-214C162D50ED}"/>
               </a:ext>
             </a:extLst>
           </p:cNvPr>
@@ -910,7 +910,7 @@
           <a:bodyPr/>
           <a:lstStyle/>
           <a:p>
-            <a:fld id="{2B14D8DB-710F-40F4-8244-9584E37DF5A0}" type="slidenum">
+            <a:fld id="{AA07A1BF-C182-4431-850A-E32D8A8FDE89}" type="slidenum">
               <a:rPr lang="zh-CN" altLang="en-US" smtClean="0"/>
               <a:t>‹#›</a:t>
             </a:fld>
@@ -921,7 +921,7 @@
     </p:spTree>
     <p:extLst>
       <p:ext uri="{BB962C8B-B14F-4D97-AF65-F5344CB8AC3E}">
-        <p14:creationId xmlns:p14="http://schemas.microsoft.com/office/powerpoint/2010/main" val="504274429"/>
+        <p14:creationId xmlns:p14="http://schemas.microsoft.com/office/powerpoint/2010/main" val="81981351"/>
       </p:ext>
     </p:extLst>
   </p:cSld>
@@ -953,7 +953,7 @@
           <p:cNvPr id="2" name="标题 1">
             <a:extLst>
               <a:ext uri="{FF2B5EF4-FFF2-40B4-BE49-F238E27FC236}">
-                <a16:creationId xmlns:a16="http://schemas.microsoft.com/office/drawing/2014/main" id="{3B051A85-4F88-C886-D866-DC9162ED01EA}"/>
+                <a16:creationId xmlns:a16="http://schemas.microsoft.com/office/drawing/2014/main" id="{C47E0C73-C7A5-E9BA-D5B3-549880B32EAC}"/>
               </a:ext>
             </a:extLst>
           </p:cNvPr>
@@ -990,7 +990,7 @@
           <p:cNvPr id="3" name="文本占位符 2">
             <a:extLst>
               <a:ext uri="{FF2B5EF4-FFF2-40B4-BE49-F238E27FC236}">
-                <a16:creationId xmlns:a16="http://schemas.microsoft.com/office/drawing/2014/main" id="{A155A27F-C138-1662-48BF-3DD00F60C897}"/>
+                <a16:creationId xmlns:a16="http://schemas.microsoft.com/office/drawing/2014/main" id="{9E930B5D-84C9-9D01-8DCF-2912F8ACC986}"/>
               </a:ext>
             </a:extLst>
           </p:cNvPr>
@@ -1115,7 +1115,7 @@
           <p:cNvPr id="4" name="日期占位符 3">
             <a:extLst>
               <a:ext uri="{FF2B5EF4-FFF2-40B4-BE49-F238E27FC236}">
-                <a16:creationId xmlns:a16="http://schemas.microsoft.com/office/drawing/2014/main" id="{DDF6A23B-190A-13A5-C3AF-8F72F3B7294E}"/>
+                <a16:creationId xmlns:a16="http://schemas.microsoft.com/office/drawing/2014/main" id="{AB3E3686-D632-6F0D-592A-71598B770440}"/>
               </a:ext>
             </a:extLst>
           </p:cNvPr>
@@ -1131,7 +1131,7 @@
           <a:bodyPr/>
           <a:lstStyle/>
           <a:p>
-            <a:fld id="{C6F8CDC9-ADE3-491B-9F8B-87D43C6E4E18}" type="datetimeFigureOut">
+            <a:fld id="{39E1B3A4-A26C-4644-807D-31E6E7366B30}" type="datetimeFigureOut">
               <a:rPr lang="zh-CN" altLang="en-US" smtClean="0"/>
               <a:t>2024/3/10</a:t>
             </a:fld>
@@ -1144,7 +1144,7 @@
           <p:cNvPr id="5" name="页脚占位符 4">
             <a:extLst>
               <a:ext uri="{FF2B5EF4-FFF2-40B4-BE49-F238E27FC236}">
-                <a16:creationId xmlns:a16="http://schemas.microsoft.com/office/drawing/2014/main" id="{55A3E057-4567-1825-12B8-C8531F34D9F4}"/>
+                <a16:creationId xmlns:a16="http://schemas.microsoft.com/office/drawing/2014/main" id="{C7BE762A-271C-86D2-CCF4-FC96813B2888}"/>
               </a:ext>
             </a:extLst>
           </p:cNvPr>
@@ -1169,7 +1169,7 @@
           <p:cNvPr id="6" name="灯片编号占位符 5">
             <a:extLst>
               <a:ext uri="{FF2B5EF4-FFF2-40B4-BE49-F238E27FC236}">
-                <a16:creationId xmlns:a16="http://schemas.microsoft.com/office/drawing/2014/main" id="{E5F600A5-E760-05C1-E51B-B39C76C59E61}"/>
+                <a16:creationId xmlns:a16="http://schemas.microsoft.com/office/drawing/2014/main" id="{EFF7A8FF-1AF0-25A7-38DA-37BA0C522FC4}"/>
               </a:ext>
             </a:extLst>
           </p:cNvPr>
@@ -1185,7 +1185,7 @@
           <a:bodyPr/>
           <a:lstStyle/>
           <a:p>
-            <a:fld id="{2B14D8DB-710F-40F4-8244-9584E37DF5A0}" type="slidenum">
+            <a:fld id="{AA07A1BF-C182-4431-850A-E32D8A8FDE89}" type="slidenum">
               <a:rPr lang="zh-CN" altLang="en-US" smtClean="0"/>
               <a:t>‹#›</a:t>
             </a:fld>
@@ -1196,7 +1196,7 @@
     </p:spTree>
     <p:extLst>
       <p:ext uri="{BB962C8B-B14F-4D97-AF65-F5344CB8AC3E}">
-        <p14:creationId xmlns:p14="http://schemas.microsoft.com/office/powerpoint/2010/main" val="3610273518"/>
+        <p14:creationId xmlns:p14="http://schemas.microsoft.com/office/powerpoint/2010/main" val="27990996"/>
       </p:ext>
     </p:extLst>
   </p:cSld>
@@ -1228,7 +1228,7 @@
           <p:cNvPr id="2" name="标题 1">
             <a:extLst>
               <a:ext uri="{FF2B5EF4-FFF2-40B4-BE49-F238E27FC236}">
-                <a16:creationId xmlns:a16="http://schemas.microsoft.com/office/drawing/2014/main" id="{AFA0DFA6-594E-CB65-79EE-F2064E57857A}"/>
+                <a16:creationId xmlns:a16="http://schemas.microsoft.com/office/drawing/2014/main" id="{3459B28E-012F-1199-BD41-C245C66B7E7B}"/>
               </a:ext>
             </a:extLst>
           </p:cNvPr>
@@ -1256,7 +1256,7 @@
           <p:cNvPr id="3" name="内容占位符 2">
             <a:extLst>
               <a:ext uri="{FF2B5EF4-FFF2-40B4-BE49-F238E27FC236}">
-                <a16:creationId xmlns:a16="http://schemas.microsoft.com/office/drawing/2014/main" id="{1D9DE9F6-7CCD-F678-9DF5-07061301FD8F}"/>
+                <a16:creationId xmlns:a16="http://schemas.microsoft.com/office/drawing/2014/main" id="{10D44109-C3E6-6A15-6B4F-55E2669D89ED}"/>
               </a:ext>
             </a:extLst>
           </p:cNvPr>
@@ -1318,7 +1318,7 @@
           <p:cNvPr id="4" name="内容占位符 3">
             <a:extLst>
               <a:ext uri="{FF2B5EF4-FFF2-40B4-BE49-F238E27FC236}">
-                <a16:creationId xmlns:a16="http://schemas.microsoft.com/office/drawing/2014/main" id="{92689243-D1EB-9C5F-D25F-3E1C98093C4E}"/>
+                <a16:creationId xmlns:a16="http://schemas.microsoft.com/office/drawing/2014/main" id="{F8FFE9FE-D15E-02D7-A0FD-CFEB571B4F4A}"/>
               </a:ext>
             </a:extLst>
           </p:cNvPr>
@@ -1380,7 +1380,7 @@
           <p:cNvPr id="5" name="日期占位符 4">
             <a:extLst>
               <a:ext uri="{FF2B5EF4-FFF2-40B4-BE49-F238E27FC236}">
-                <a16:creationId xmlns:a16="http://schemas.microsoft.com/office/drawing/2014/main" id="{141D1DEE-625B-9F75-FEF6-A7506FCD5412}"/>
+                <a16:creationId xmlns:a16="http://schemas.microsoft.com/office/drawing/2014/main" id="{E43F2250-4319-8BFF-0F7F-140BAFC71174}"/>
               </a:ext>
             </a:extLst>
           </p:cNvPr>
@@ -1396,7 +1396,7 @@
           <a:bodyPr/>
           <a:lstStyle/>
           <a:p>
-            <a:fld id="{C6F8CDC9-ADE3-491B-9F8B-87D43C6E4E18}" type="datetimeFigureOut">
+            <a:fld id="{39E1B3A4-A26C-4644-807D-31E6E7366B30}" type="datetimeFigureOut">
               <a:rPr lang="zh-CN" altLang="en-US" smtClean="0"/>
               <a:t>2024/3/10</a:t>
             </a:fld>
@@ -1409,7 +1409,7 @@
           <p:cNvPr id="6" name="页脚占位符 5">
             <a:extLst>
               <a:ext uri="{FF2B5EF4-FFF2-40B4-BE49-F238E27FC236}">
-                <a16:creationId xmlns:a16="http://schemas.microsoft.com/office/drawing/2014/main" id="{98F743C3-66A7-58F4-E974-09F676657315}"/>
+                <a16:creationId xmlns:a16="http://schemas.microsoft.com/office/drawing/2014/main" id="{CCD2DB85-B091-0C1F-761C-8047DC86D0C5}"/>
               </a:ext>
             </a:extLst>
           </p:cNvPr>
@@ -1434,7 +1434,7 @@
           <p:cNvPr id="7" name="灯片编号占位符 6">
             <a:extLst>
               <a:ext uri="{FF2B5EF4-FFF2-40B4-BE49-F238E27FC236}">
-                <a16:creationId xmlns:a16="http://schemas.microsoft.com/office/drawing/2014/main" id="{1194EFC8-E0F2-61D0-CDD8-C197EEF18CAA}"/>
+                <a16:creationId xmlns:a16="http://schemas.microsoft.com/office/drawing/2014/main" id="{E62AF5E4-F246-DAF0-5557-868C24F1A510}"/>
               </a:ext>
             </a:extLst>
           </p:cNvPr>
@@ -1450,7 +1450,7 @@
           <a:bodyPr/>
           <a:lstStyle/>
           <a:p>
-            <a:fld id="{2B14D8DB-710F-40F4-8244-9584E37DF5A0}" type="slidenum">
+            <a:fld id="{AA07A1BF-C182-4431-850A-E32D8A8FDE89}" type="slidenum">
               <a:rPr lang="zh-CN" altLang="en-US" smtClean="0"/>
               <a:t>‹#›</a:t>
             </a:fld>
@@ -1461,7 +1461,7 @@
     </p:spTree>
     <p:extLst>
       <p:ext uri="{BB962C8B-B14F-4D97-AF65-F5344CB8AC3E}">
-        <p14:creationId xmlns:p14="http://schemas.microsoft.com/office/powerpoint/2010/main" val="1491398522"/>
+        <p14:creationId xmlns:p14="http://schemas.microsoft.com/office/powerpoint/2010/main" val="2047036629"/>
       </p:ext>
     </p:extLst>
   </p:cSld>
@@ -1493,7 +1493,7 @@
           <p:cNvPr id="2" name="标题 1">
             <a:extLst>
               <a:ext uri="{FF2B5EF4-FFF2-40B4-BE49-F238E27FC236}">
-                <a16:creationId xmlns:a16="http://schemas.microsoft.com/office/drawing/2014/main" id="{84737F9D-4879-3F83-0554-B435D032E9E7}"/>
+                <a16:creationId xmlns:a16="http://schemas.microsoft.com/office/drawing/2014/main" id="{D94EF34B-91DB-DB2A-8C3F-86B0CC8B1310}"/>
               </a:ext>
             </a:extLst>
           </p:cNvPr>
@@ -1526,7 +1526,7 @@
           <p:cNvPr id="3" name="文本占位符 2">
             <a:extLst>
               <a:ext uri="{FF2B5EF4-FFF2-40B4-BE49-F238E27FC236}">
-                <a16:creationId xmlns:a16="http://schemas.microsoft.com/office/drawing/2014/main" id="{9AA79814-1C54-ABAE-25F4-5472E746DFE1}"/>
+                <a16:creationId xmlns:a16="http://schemas.microsoft.com/office/drawing/2014/main" id="{E9222BA2-9378-F468-0DA7-58E6AFE3109F}"/>
               </a:ext>
             </a:extLst>
           </p:cNvPr>
@@ -1597,7 +1597,7 @@
           <p:cNvPr id="4" name="内容占位符 3">
             <a:extLst>
               <a:ext uri="{FF2B5EF4-FFF2-40B4-BE49-F238E27FC236}">
-                <a16:creationId xmlns:a16="http://schemas.microsoft.com/office/drawing/2014/main" id="{BB374381-B6C9-14F8-A4EB-8EB9D88C0A70}"/>
+                <a16:creationId xmlns:a16="http://schemas.microsoft.com/office/drawing/2014/main" id="{9EEC98A5-8E64-0D15-DDB1-77C16F119C99}"/>
               </a:ext>
             </a:extLst>
           </p:cNvPr>
@@ -1659,7 +1659,7 @@
           <p:cNvPr id="5" name="文本占位符 4">
             <a:extLst>
               <a:ext uri="{FF2B5EF4-FFF2-40B4-BE49-F238E27FC236}">
-                <a16:creationId xmlns:a16="http://schemas.microsoft.com/office/drawing/2014/main" id="{28803180-5405-88D7-E855-3C18D1296F44}"/>
+                <a16:creationId xmlns:a16="http://schemas.microsoft.com/office/drawing/2014/main" id="{3D01D4D8-A36E-5236-242C-44CF9EC8422B}"/>
               </a:ext>
             </a:extLst>
           </p:cNvPr>
@@ -1730,7 +1730,7 @@
           <p:cNvPr id="6" name="内容占位符 5">
             <a:extLst>
               <a:ext uri="{FF2B5EF4-FFF2-40B4-BE49-F238E27FC236}">
-                <a16:creationId xmlns:a16="http://schemas.microsoft.com/office/drawing/2014/main" id="{32F5EDD6-FA6C-B4CC-4076-81A8E4CFB237}"/>
+                <a16:creationId xmlns:a16="http://schemas.microsoft.com/office/drawing/2014/main" id="{B27B48B2-49E7-E382-8355-472E9B73F498}"/>
               </a:ext>
             </a:extLst>
           </p:cNvPr>
@@ -1792,7 +1792,7 @@
           <p:cNvPr id="7" name="日期占位符 6">
             <a:extLst>
               <a:ext uri="{FF2B5EF4-FFF2-40B4-BE49-F238E27FC236}">
-                <a16:creationId xmlns:a16="http://schemas.microsoft.com/office/drawing/2014/main" id="{31CAF9F4-E088-020F-376D-47473532E7DB}"/>
+                <a16:creationId xmlns:a16="http://schemas.microsoft.com/office/drawing/2014/main" id="{0D958313-982F-C473-4A0F-431D28DD695E}"/>
               </a:ext>
             </a:extLst>
           </p:cNvPr>
@@ -1808,7 +1808,7 @@
           <a:bodyPr/>
           <a:lstStyle/>
           <a:p>
-            <a:fld id="{C6F8CDC9-ADE3-491B-9F8B-87D43C6E4E18}" type="datetimeFigureOut">
+            <a:fld id="{39E1B3A4-A26C-4644-807D-31E6E7366B30}" type="datetimeFigureOut">
               <a:rPr lang="zh-CN" altLang="en-US" smtClean="0"/>
               <a:t>2024/3/10</a:t>
             </a:fld>
@@ -1821,7 +1821,7 @@
           <p:cNvPr id="8" name="页脚占位符 7">
             <a:extLst>
               <a:ext uri="{FF2B5EF4-FFF2-40B4-BE49-F238E27FC236}">
-                <a16:creationId xmlns:a16="http://schemas.microsoft.com/office/drawing/2014/main" id="{448DDDFD-D09F-5B03-1185-B4C0A91AF801}"/>
+                <a16:creationId xmlns:a16="http://schemas.microsoft.com/office/drawing/2014/main" id="{10A19256-8C37-0D2D-1F3B-30FC7A86471E}"/>
               </a:ext>
             </a:extLst>
           </p:cNvPr>
@@ -1846,7 +1846,7 @@
           <p:cNvPr id="9" name="灯片编号占位符 8">
             <a:extLst>
               <a:ext uri="{FF2B5EF4-FFF2-40B4-BE49-F238E27FC236}">
-                <a16:creationId xmlns:a16="http://schemas.microsoft.com/office/drawing/2014/main" id="{33ABB104-8AFA-5249-884D-24A4FA47CA41}"/>
+                <a16:creationId xmlns:a16="http://schemas.microsoft.com/office/drawing/2014/main" id="{06E8BAFD-9252-0365-67E6-0FDCF82E572F}"/>
               </a:ext>
             </a:extLst>
           </p:cNvPr>
@@ -1862,7 +1862,7 @@
           <a:bodyPr/>
           <a:lstStyle/>
           <a:p>
-            <a:fld id="{2B14D8DB-710F-40F4-8244-9584E37DF5A0}" type="slidenum">
+            <a:fld id="{AA07A1BF-C182-4431-850A-E32D8A8FDE89}" type="slidenum">
               <a:rPr lang="zh-CN" altLang="en-US" smtClean="0"/>
               <a:t>‹#›</a:t>
             </a:fld>
@@ -1873,7 +1873,7 @@
     </p:spTree>
     <p:extLst>
       <p:ext uri="{BB962C8B-B14F-4D97-AF65-F5344CB8AC3E}">
-        <p14:creationId xmlns:p14="http://schemas.microsoft.com/office/powerpoint/2010/main" val="2956182526"/>
+        <p14:creationId xmlns:p14="http://schemas.microsoft.com/office/powerpoint/2010/main" val="2477511926"/>
       </p:ext>
     </p:extLst>
   </p:cSld>
@@ -1905,7 +1905,7 @@
           <p:cNvPr id="2" name="标题 1">
             <a:extLst>
               <a:ext uri="{FF2B5EF4-FFF2-40B4-BE49-F238E27FC236}">
-                <a16:creationId xmlns:a16="http://schemas.microsoft.com/office/drawing/2014/main" id="{14AA6B4A-EFF9-023C-7BC4-16A4587D1877}"/>
+                <a16:creationId xmlns:a16="http://schemas.microsoft.com/office/drawing/2014/main" id="{1D791B16-791E-5870-424F-B4103B1BE1F6}"/>
               </a:ext>
             </a:extLst>
           </p:cNvPr>
@@ -1933,7 +1933,7 @@
           <p:cNvPr id="3" name="日期占位符 2">
             <a:extLst>
               <a:ext uri="{FF2B5EF4-FFF2-40B4-BE49-F238E27FC236}">
-                <a16:creationId xmlns:a16="http://schemas.microsoft.com/office/drawing/2014/main" id="{0BC8A9D9-8D3C-244C-4B55-438AD67CEE87}"/>
+                <a16:creationId xmlns:a16="http://schemas.microsoft.com/office/drawing/2014/main" id="{28989161-31A5-8156-4FAE-5CEDBD118C28}"/>
               </a:ext>
             </a:extLst>
           </p:cNvPr>
@@ -1949,7 +1949,7 @@
           <a:bodyPr/>
           <a:lstStyle/>
           <a:p>
-            <a:fld id="{C6F8CDC9-ADE3-491B-9F8B-87D43C6E4E18}" type="datetimeFigureOut">
+            <a:fld id="{39E1B3A4-A26C-4644-807D-31E6E7366B30}" type="datetimeFigureOut">
               <a:rPr lang="zh-CN" altLang="en-US" smtClean="0"/>
               <a:t>2024/3/10</a:t>
             </a:fld>
@@ -1962,7 +1962,7 @@
           <p:cNvPr id="4" name="页脚占位符 3">
             <a:extLst>
               <a:ext uri="{FF2B5EF4-FFF2-40B4-BE49-F238E27FC236}">
-                <a16:creationId xmlns:a16="http://schemas.microsoft.com/office/drawing/2014/main" id="{DF074BF4-5542-6C13-E873-329044ADE40A}"/>
+                <a16:creationId xmlns:a16="http://schemas.microsoft.com/office/drawing/2014/main" id="{1757752D-14DC-66ED-CF48-0DC77309E40B}"/>
               </a:ext>
             </a:extLst>
           </p:cNvPr>
@@ -1987,7 +1987,7 @@
           <p:cNvPr id="5" name="灯片编号占位符 4">
             <a:extLst>
               <a:ext uri="{FF2B5EF4-FFF2-40B4-BE49-F238E27FC236}">
-                <a16:creationId xmlns:a16="http://schemas.microsoft.com/office/drawing/2014/main" id="{A762B124-1447-AFA7-93F2-28BB98DD1518}"/>
+                <a16:creationId xmlns:a16="http://schemas.microsoft.com/office/drawing/2014/main" id="{07C47FC5-E515-0AA8-BD63-DB2393D8FD80}"/>
               </a:ext>
             </a:extLst>
           </p:cNvPr>
@@ -2003,7 +2003,7 @@
           <a:bodyPr/>
           <a:lstStyle/>
           <a:p>
-            <a:fld id="{2B14D8DB-710F-40F4-8244-9584E37DF5A0}" type="slidenum">
+            <a:fld id="{AA07A1BF-C182-4431-850A-E32D8A8FDE89}" type="slidenum">
               <a:rPr lang="zh-CN" altLang="en-US" smtClean="0"/>
               <a:t>‹#›</a:t>
             </a:fld>
@@ -2014,7 +2014,7 @@
     </p:spTree>
     <p:extLst>
       <p:ext uri="{BB962C8B-B14F-4D97-AF65-F5344CB8AC3E}">
-        <p14:creationId xmlns:p14="http://schemas.microsoft.com/office/powerpoint/2010/main" val="1807165476"/>
+        <p14:creationId xmlns:p14="http://schemas.microsoft.com/office/powerpoint/2010/main" val="3868551790"/>
       </p:ext>
     </p:extLst>
   </p:cSld>
@@ -2046,7 +2046,7 @@
           <p:cNvPr id="2" name="日期占位符 1">
             <a:extLst>
               <a:ext uri="{FF2B5EF4-FFF2-40B4-BE49-F238E27FC236}">
-                <a16:creationId xmlns:a16="http://schemas.microsoft.com/office/drawing/2014/main" id="{077C13DD-BF92-7990-2F7C-6E406B0DA022}"/>
+                <a16:creationId xmlns:a16="http://schemas.microsoft.com/office/drawing/2014/main" id="{3E01B0D0-3071-A205-5428-7E808804D065}"/>
               </a:ext>
             </a:extLst>
           </p:cNvPr>
@@ -2062,7 +2062,7 @@
           <a:bodyPr/>
           <a:lstStyle/>
           <a:p>
-            <a:fld id="{C6F8CDC9-ADE3-491B-9F8B-87D43C6E4E18}" type="datetimeFigureOut">
+            <a:fld id="{39E1B3A4-A26C-4644-807D-31E6E7366B30}" type="datetimeFigureOut">
               <a:rPr lang="zh-CN" altLang="en-US" smtClean="0"/>
               <a:t>2024/3/10</a:t>
             </a:fld>
@@ -2075,7 +2075,7 @@
           <p:cNvPr id="3" name="页脚占位符 2">
             <a:extLst>
               <a:ext uri="{FF2B5EF4-FFF2-40B4-BE49-F238E27FC236}">
-                <a16:creationId xmlns:a16="http://schemas.microsoft.com/office/drawing/2014/main" id="{173E5DB5-4C74-A4FD-5FAD-E88E0A82532D}"/>
+                <a16:creationId xmlns:a16="http://schemas.microsoft.com/office/drawing/2014/main" id="{C262975D-ECE8-E316-0059-98F7722550FE}"/>
               </a:ext>
             </a:extLst>
           </p:cNvPr>
@@ -2100,7 +2100,7 @@
           <p:cNvPr id="4" name="灯片编号占位符 3">
             <a:extLst>
               <a:ext uri="{FF2B5EF4-FFF2-40B4-BE49-F238E27FC236}">
-                <a16:creationId xmlns:a16="http://schemas.microsoft.com/office/drawing/2014/main" id="{1ECEE6C8-4F07-DCFF-7D82-42C59B06C2C7}"/>
+                <a16:creationId xmlns:a16="http://schemas.microsoft.com/office/drawing/2014/main" id="{C3D05BA0-739B-194B-0D71-4BD835326B0B}"/>
               </a:ext>
             </a:extLst>
           </p:cNvPr>
@@ -2116,7 +2116,7 @@
           <a:bodyPr/>
           <a:lstStyle/>
           <a:p>
-            <a:fld id="{2B14D8DB-710F-40F4-8244-9584E37DF5A0}" type="slidenum">
+            <a:fld id="{AA07A1BF-C182-4431-850A-E32D8A8FDE89}" type="slidenum">
               <a:rPr lang="zh-CN" altLang="en-US" smtClean="0"/>
               <a:t>‹#›</a:t>
             </a:fld>
@@ -2127,7 +2127,7 @@
     </p:spTree>
     <p:extLst>
       <p:ext uri="{BB962C8B-B14F-4D97-AF65-F5344CB8AC3E}">
-        <p14:creationId xmlns:p14="http://schemas.microsoft.com/office/powerpoint/2010/main" val="2191509447"/>
+        <p14:creationId xmlns:p14="http://schemas.microsoft.com/office/powerpoint/2010/main" val="3230925822"/>
       </p:ext>
     </p:extLst>
   </p:cSld>
@@ -2159,7 +2159,7 @@
           <p:cNvPr id="2" name="标题 1">
             <a:extLst>
               <a:ext uri="{FF2B5EF4-FFF2-40B4-BE49-F238E27FC236}">
-                <a16:creationId xmlns:a16="http://schemas.microsoft.com/office/drawing/2014/main" id="{886339DD-8D47-FB4E-BCA1-55ADC0ED98D9}"/>
+                <a16:creationId xmlns:a16="http://schemas.microsoft.com/office/drawing/2014/main" id="{B27A43C6-2543-DECE-79C3-1FA9C3469FE5}"/>
               </a:ext>
             </a:extLst>
           </p:cNvPr>
@@ -2196,7 +2196,7 @@
           <p:cNvPr id="3" name="内容占位符 2">
             <a:extLst>
               <a:ext uri="{FF2B5EF4-FFF2-40B4-BE49-F238E27FC236}">
-                <a16:creationId xmlns:a16="http://schemas.microsoft.com/office/drawing/2014/main" id="{4BE8AF18-E0DD-8DCA-914C-B2326B5B6EB7}"/>
+                <a16:creationId xmlns:a16="http://schemas.microsoft.com/office/drawing/2014/main" id="{AE238ADB-A00C-A477-A199-12C5A1F21423}"/>
               </a:ext>
             </a:extLst>
           </p:cNvPr>
@@ -2286,7 +2286,7 @@
           <p:cNvPr id="4" name="文本占位符 3">
             <a:extLst>
               <a:ext uri="{FF2B5EF4-FFF2-40B4-BE49-F238E27FC236}">
-                <a16:creationId xmlns:a16="http://schemas.microsoft.com/office/drawing/2014/main" id="{3544B299-4A98-E6B0-B00C-D1EBD6425ED6}"/>
+                <a16:creationId xmlns:a16="http://schemas.microsoft.com/office/drawing/2014/main" id="{0FF75CB8-7C53-0CEC-1F9A-456D37DA8E3A}"/>
               </a:ext>
             </a:extLst>
           </p:cNvPr>
@@ -2357,7 +2357,7 @@
           <p:cNvPr id="5" name="日期占位符 4">
             <a:extLst>
               <a:ext uri="{FF2B5EF4-FFF2-40B4-BE49-F238E27FC236}">
-                <a16:creationId xmlns:a16="http://schemas.microsoft.com/office/drawing/2014/main" id="{0BB8925D-7B9C-7E9F-1514-5ADEB20C881F}"/>
+                <a16:creationId xmlns:a16="http://schemas.microsoft.com/office/drawing/2014/main" id="{174F0A6D-B68D-05E9-8C8F-B91B011C4D3A}"/>
               </a:ext>
             </a:extLst>
           </p:cNvPr>
@@ -2373,7 +2373,7 @@
           <a:bodyPr/>
           <a:lstStyle/>
           <a:p>
-            <a:fld id="{C6F8CDC9-ADE3-491B-9F8B-87D43C6E4E18}" type="datetimeFigureOut">
+            <a:fld id="{39E1B3A4-A26C-4644-807D-31E6E7366B30}" type="datetimeFigureOut">
               <a:rPr lang="zh-CN" altLang="en-US" smtClean="0"/>
               <a:t>2024/3/10</a:t>
             </a:fld>
@@ -2386,7 +2386,7 @@
           <p:cNvPr id="6" name="页脚占位符 5">
             <a:extLst>
               <a:ext uri="{FF2B5EF4-FFF2-40B4-BE49-F238E27FC236}">
-                <a16:creationId xmlns:a16="http://schemas.microsoft.com/office/drawing/2014/main" id="{C92E7A2B-11E8-BEC6-87A3-731E106AF0F0}"/>
+                <a16:creationId xmlns:a16="http://schemas.microsoft.com/office/drawing/2014/main" id="{A6CED0A2-7B02-B4A0-947B-C6F41D98924D}"/>
               </a:ext>
             </a:extLst>
           </p:cNvPr>
@@ -2411,7 +2411,7 @@
           <p:cNvPr id="7" name="灯片编号占位符 6">
             <a:extLst>
               <a:ext uri="{FF2B5EF4-FFF2-40B4-BE49-F238E27FC236}">
-                <a16:creationId xmlns:a16="http://schemas.microsoft.com/office/drawing/2014/main" id="{22932A32-7191-02FF-D87C-6932103BF1C1}"/>
+                <a16:creationId xmlns:a16="http://schemas.microsoft.com/office/drawing/2014/main" id="{6CA71DFA-913F-7C66-F74A-67B11619C782}"/>
               </a:ext>
             </a:extLst>
           </p:cNvPr>
@@ -2427,7 +2427,7 @@
           <a:bodyPr/>
           <a:lstStyle/>
           <a:p>
-            <a:fld id="{2B14D8DB-710F-40F4-8244-9584E37DF5A0}" type="slidenum">
+            <a:fld id="{AA07A1BF-C182-4431-850A-E32D8A8FDE89}" type="slidenum">
               <a:rPr lang="zh-CN" altLang="en-US" smtClean="0"/>
               <a:t>‹#›</a:t>
             </a:fld>
@@ -2438,7 +2438,7 @@
     </p:spTree>
     <p:extLst>
       <p:ext uri="{BB962C8B-B14F-4D97-AF65-F5344CB8AC3E}">
-        <p14:creationId xmlns:p14="http://schemas.microsoft.com/office/powerpoint/2010/main" val="3089075572"/>
+        <p14:creationId xmlns:p14="http://schemas.microsoft.com/office/powerpoint/2010/main" val="1627197809"/>
       </p:ext>
     </p:extLst>
   </p:cSld>
@@ -2470,7 +2470,7 @@
           <p:cNvPr id="2" name="标题 1">
             <a:extLst>
               <a:ext uri="{FF2B5EF4-FFF2-40B4-BE49-F238E27FC236}">
-                <a16:creationId xmlns:a16="http://schemas.microsoft.com/office/drawing/2014/main" id="{A08CCFD6-8C58-7BA4-3835-8AC4580D5D9A}"/>
+                <a16:creationId xmlns:a16="http://schemas.microsoft.com/office/drawing/2014/main" id="{997658BA-D607-D578-2B1F-A217EFAED055}"/>
               </a:ext>
             </a:extLst>
           </p:cNvPr>
@@ -2507,7 +2507,7 @@
           <p:cNvPr id="3" name="图片占位符 2">
             <a:extLst>
               <a:ext uri="{FF2B5EF4-FFF2-40B4-BE49-F238E27FC236}">
-                <a16:creationId xmlns:a16="http://schemas.microsoft.com/office/drawing/2014/main" id="{489D0E40-8CAF-9737-4FC4-7756988099B0}"/>
+                <a16:creationId xmlns:a16="http://schemas.microsoft.com/office/drawing/2014/main" id="{AD2137A1-2114-5A45-967F-30BE30048753}"/>
               </a:ext>
             </a:extLst>
           </p:cNvPr>
@@ -2574,7 +2574,7 @@
           <p:cNvPr id="4" name="文本占位符 3">
             <a:extLst>
               <a:ext uri="{FF2B5EF4-FFF2-40B4-BE49-F238E27FC236}">
-                <a16:creationId xmlns:a16="http://schemas.microsoft.com/office/drawing/2014/main" id="{E42C8C00-0094-0110-7EC1-310BA6F62E80}"/>
+                <a16:creationId xmlns:a16="http://schemas.microsoft.com/office/drawing/2014/main" id="{65BD5561-1CBF-270C-4364-58E42CE644F0}"/>
               </a:ext>
             </a:extLst>
           </p:cNvPr>
@@ -2645,7 +2645,7 @@
           <p:cNvPr id="5" name="日期占位符 4">
             <a:extLst>
               <a:ext uri="{FF2B5EF4-FFF2-40B4-BE49-F238E27FC236}">
-                <a16:creationId xmlns:a16="http://schemas.microsoft.com/office/drawing/2014/main" id="{B5826EA3-1EFC-0F39-AE9E-A300C705C38E}"/>
+                <a16:creationId xmlns:a16="http://schemas.microsoft.com/office/drawing/2014/main" id="{E21FB315-C5F0-4590-FBE4-4A8179B6ECC7}"/>
               </a:ext>
             </a:extLst>
           </p:cNvPr>
@@ -2661,7 +2661,7 @@
           <a:bodyPr/>
           <a:lstStyle/>
           <a:p>
-            <a:fld id="{C6F8CDC9-ADE3-491B-9F8B-87D43C6E4E18}" type="datetimeFigureOut">
+            <a:fld id="{39E1B3A4-A26C-4644-807D-31E6E7366B30}" type="datetimeFigureOut">
               <a:rPr lang="zh-CN" altLang="en-US" smtClean="0"/>
               <a:t>2024/3/10</a:t>
             </a:fld>
@@ -2674,7 +2674,7 @@
           <p:cNvPr id="6" name="页脚占位符 5">
             <a:extLst>
               <a:ext uri="{FF2B5EF4-FFF2-40B4-BE49-F238E27FC236}">
-                <a16:creationId xmlns:a16="http://schemas.microsoft.com/office/drawing/2014/main" id="{AD593FFA-4DFD-41CA-A6C2-042A48B59BB1}"/>
+                <a16:creationId xmlns:a16="http://schemas.microsoft.com/office/drawing/2014/main" id="{7BA714A5-FD28-489D-4C9F-C4A9531E0C4F}"/>
               </a:ext>
             </a:extLst>
           </p:cNvPr>
@@ -2699,7 +2699,7 @@
           <p:cNvPr id="7" name="灯片编号占位符 6">
             <a:extLst>
               <a:ext uri="{FF2B5EF4-FFF2-40B4-BE49-F238E27FC236}">
-                <a16:creationId xmlns:a16="http://schemas.microsoft.com/office/drawing/2014/main" id="{72F6B835-4D3F-B407-8EBB-A86D205794A3}"/>
+                <a16:creationId xmlns:a16="http://schemas.microsoft.com/office/drawing/2014/main" id="{169F5E5D-607B-04D4-B810-95AACDB2E53B}"/>
               </a:ext>
             </a:extLst>
           </p:cNvPr>
@@ -2715,7 +2715,7 @@
           <a:bodyPr/>
           <a:lstStyle/>
           <a:p>
-            <a:fld id="{2B14D8DB-710F-40F4-8244-9584E37DF5A0}" type="slidenum">
+            <a:fld id="{AA07A1BF-C182-4431-850A-E32D8A8FDE89}" type="slidenum">
               <a:rPr lang="zh-CN" altLang="en-US" smtClean="0"/>
               <a:t>‹#›</a:t>
             </a:fld>
@@ -2726,7 +2726,7 @@
     </p:spTree>
     <p:extLst>
       <p:ext uri="{BB962C8B-B14F-4D97-AF65-F5344CB8AC3E}">
-        <p14:creationId xmlns:p14="http://schemas.microsoft.com/office/powerpoint/2010/main" val="4049409853"/>
+        <p14:creationId xmlns:p14="http://schemas.microsoft.com/office/powerpoint/2010/main" val="961935331"/>
       </p:ext>
     </p:extLst>
   </p:cSld>
@@ -2763,7 +2763,7 @@
           <p:cNvPr id="2" name="标题占位符 1">
             <a:extLst>
               <a:ext uri="{FF2B5EF4-FFF2-40B4-BE49-F238E27FC236}">
-                <a16:creationId xmlns:a16="http://schemas.microsoft.com/office/drawing/2014/main" id="{CB7BB3A9-24B9-392E-3C03-3F453563B170}"/>
+                <a16:creationId xmlns:a16="http://schemas.microsoft.com/office/drawing/2014/main" id="{38E1B973-9165-2D60-6CB1-B8E59ABDCE9D}"/>
               </a:ext>
             </a:extLst>
           </p:cNvPr>
@@ -2801,7 +2801,7 @@
           <p:cNvPr id="3" name="文本占位符 2">
             <a:extLst>
               <a:ext uri="{FF2B5EF4-FFF2-40B4-BE49-F238E27FC236}">
-                <a16:creationId xmlns:a16="http://schemas.microsoft.com/office/drawing/2014/main" id="{B93E06D3-0BC9-6326-8967-1F2C3A3DB9A8}"/>
+                <a16:creationId xmlns:a16="http://schemas.microsoft.com/office/drawing/2014/main" id="{2EA5B1E6-98B0-44D4-8C7D-B76E2C12C5CA}"/>
               </a:ext>
             </a:extLst>
           </p:cNvPr>
@@ -2868,7 +2868,7 @@
           <p:cNvPr id="4" name="日期占位符 3">
             <a:extLst>
               <a:ext uri="{FF2B5EF4-FFF2-40B4-BE49-F238E27FC236}">
-                <a16:creationId xmlns:a16="http://schemas.microsoft.com/office/drawing/2014/main" id="{19730AF1-A8E2-537A-1023-1040A2FB887D}"/>
+                <a16:creationId xmlns:a16="http://schemas.microsoft.com/office/drawing/2014/main" id="{C6105A3D-83F5-96DB-71CD-B9EA179DAE8D}"/>
               </a:ext>
             </a:extLst>
           </p:cNvPr>
@@ -2902,7 +2902,7 @@
             </a:lvl1pPr>
           </a:lstStyle>
           <a:p>
-            <a:fld id="{C6F8CDC9-ADE3-491B-9F8B-87D43C6E4E18}" type="datetimeFigureOut">
+            <a:fld id="{39E1B3A4-A26C-4644-807D-31E6E7366B30}" type="datetimeFigureOut">
               <a:rPr lang="zh-CN" altLang="en-US" smtClean="0"/>
               <a:t>2024/3/10</a:t>
             </a:fld>
@@ -2915,7 +2915,7 @@
           <p:cNvPr id="5" name="页脚占位符 4">
             <a:extLst>
               <a:ext uri="{FF2B5EF4-FFF2-40B4-BE49-F238E27FC236}">
-                <a16:creationId xmlns:a16="http://schemas.microsoft.com/office/drawing/2014/main" id="{3E660117-BA47-7F6D-38C9-2D9E333230EE}"/>
+                <a16:creationId xmlns:a16="http://schemas.microsoft.com/office/drawing/2014/main" id="{09B471C1-1D9A-A80C-1689-875EB85CA79B}"/>
               </a:ext>
             </a:extLst>
           </p:cNvPr>
@@ -2958,7 +2958,7 @@
           <p:cNvPr id="6" name="灯片编号占位符 5">
             <a:extLst>
               <a:ext uri="{FF2B5EF4-FFF2-40B4-BE49-F238E27FC236}">
-                <a16:creationId xmlns:a16="http://schemas.microsoft.com/office/drawing/2014/main" id="{75D785F2-0088-5219-A09B-FE57E82B59B3}"/>
+                <a16:creationId xmlns:a16="http://schemas.microsoft.com/office/drawing/2014/main" id="{5F5A84FA-2A27-C35B-A455-FC449200EBE6}"/>
               </a:ext>
             </a:extLst>
           </p:cNvPr>
@@ -2992,7 +2992,7 @@
             </a:lvl1pPr>
           </a:lstStyle>
           <a:p>
-            <a:fld id="{2B14D8DB-710F-40F4-8244-9584E37DF5A0}" type="slidenum">
+            <a:fld id="{AA07A1BF-C182-4431-850A-E32D8A8FDE89}" type="slidenum">
               <a:rPr lang="zh-CN" altLang="en-US" smtClean="0"/>
               <a:t>‹#›</a:t>
             </a:fld>
@@ -3003,7 +3003,7 @@
     </p:spTree>
     <p:extLst>
       <p:ext uri="{BB962C8B-B14F-4D97-AF65-F5344CB8AC3E}">
-        <p14:creationId xmlns:p14="http://schemas.microsoft.com/office/powerpoint/2010/main" val="171392635"/>
+        <p14:creationId xmlns:p14="http://schemas.microsoft.com/office/powerpoint/2010/main" val="1880464291"/>
       </p:ext>
     </p:extLst>
   </p:cSld>
